--- a/src/t5/images/t5.pptx
+++ b/src/t5/images/t5.pptx
@@ -17,7 +17,8 @@
     <p:sldId id="269" r:id="rId11"/>
     <p:sldId id="261" r:id="rId12"/>
     <p:sldId id="272" r:id="rId13"/>
-    <p:sldId id="270" r:id="rId14"/>
+    <p:sldId id="273" r:id="rId14"/>
+    <p:sldId id="270" r:id="rId15"/>
   </p:sldIdLst>
   <p:sldSz cx="12192000" cy="6858000"/>
   <p:notesSz cx="6858000" cy="9144000"/>
@@ -273,7 +274,7 @@
           <a:p>
             <a:fld id="{4CADD69B-74F8-4198-B093-991B2CFD1994}" type="datetimeFigureOut">
               <a:rPr lang="en-SG" smtClean="0"/>
-              <a:t>4/10/2021</a:t>
+              <a:t>5/10/2021</a:t>
             </a:fld>
             <a:endParaRPr lang="en-SG"/>
           </a:p>
@@ -473,7 +474,7 @@
           <a:p>
             <a:fld id="{4CADD69B-74F8-4198-B093-991B2CFD1994}" type="datetimeFigureOut">
               <a:rPr lang="en-SG" smtClean="0"/>
-              <a:t>4/10/2021</a:t>
+              <a:t>5/10/2021</a:t>
             </a:fld>
             <a:endParaRPr lang="en-SG"/>
           </a:p>
@@ -683,7 +684,7 @@
           <a:p>
             <a:fld id="{4CADD69B-74F8-4198-B093-991B2CFD1994}" type="datetimeFigureOut">
               <a:rPr lang="en-SG" smtClean="0"/>
-              <a:t>4/10/2021</a:t>
+              <a:t>5/10/2021</a:t>
             </a:fld>
             <a:endParaRPr lang="en-SG"/>
           </a:p>
@@ -883,7 +884,7 @@
           <a:p>
             <a:fld id="{4CADD69B-74F8-4198-B093-991B2CFD1994}" type="datetimeFigureOut">
               <a:rPr lang="en-SG" smtClean="0"/>
-              <a:t>4/10/2021</a:t>
+              <a:t>5/10/2021</a:t>
             </a:fld>
             <a:endParaRPr lang="en-SG"/>
           </a:p>
@@ -1159,7 +1160,7 @@
           <a:p>
             <a:fld id="{4CADD69B-74F8-4198-B093-991B2CFD1994}" type="datetimeFigureOut">
               <a:rPr lang="en-SG" smtClean="0"/>
-              <a:t>4/10/2021</a:t>
+              <a:t>5/10/2021</a:t>
             </a:fld>
             <a:endParaRPr lang="en-SG"/>
           </a:p>
@@ -1427,7 +1428,7 @@
           <a:p>
             <a:fld id="{4CADD69B-74F8-4198-B093-991B2CFD1994}" type="datetimeFigureOut">
               <a:rPr lang="en-SG" smtClean="0"/>
-              <a:t>4/10/2021</a:t>
+              <a:t>5/10/2021</a:t>
             </a:fld>
             <a:endParaRPr lang="en-SG"/>
           </a:p>
@@ -1842,7 +1843,7 @@
           <a:p>
             <a:fld id="{4CADD69B-74F8-4198-B093-991B2CFD1994}" type="datetimeFigureOut">
               <a:rPr lang="en-SG" smtClean="0"/>
-              <a:t>4/10/2021</a:t>
+              <a:t>5/10/2021</a:t>
             </a:fld>
             <a:endParaRPr lang="en-SG"/>
           </a:p>
@@ -1984,7 +1985,7 @@
           <a:p>
             <a:fld id="{4CADD69B-74F8-4198-B093-991B2CFD1994}" type="datetimeFigureOut">
               <a:rPr lang="en-SG" smtClean="0"/>
-              <a:t>4/10/2021</a:t>
+              <a:t>5/10/2021</a:t>
             </a:fld>
             <a:endParaRPr lang="en-SG"/>
           </a:p>
@@ -2097,7 +2098,7 @@
           <a:p>
             <a:fld id="{4CADD69B-74F8-4198-B093-991B2CFD1994}" type="datetimeFigureOut">
               <a:rPr lang="en-SG" smtClean="0"/>
-              <a:t>4/10/2021</a:t>
+              <a:t>5/10/2021</a:t>
             </a:fld>
             <a:endParaRPr lang="en-SG"/>
           </a:p>
@@ -2410,7 +2411,7 @@
           <a:p>
             <a:fld id="{4CADD69B-74F8-4198-B093-991B2CFD1994}" type="datetimeFigureOut">
               <a:rPr lang="en-SG" smtClean="0"/>
-              <a:t>4/10/2021</a:t>
+              <a:t>5/10/2021</a:t>
             </a:fld>
             <a:endParaRPr lang="en-SG"/>
           </a:p>
@@ -2699,7 +2700,7 @@
           <a:p>
             <a:fld id="{4CADD69B-74F8-4198-B093-991B2CFD1994}" type="datetimeFigureOut">
               <a:rPr lang="en-SG" smtClean="0"/>
-              <a:t>4/10/2021</a:t>
+              <a:t>5/10/2021</a:t>
             </a:fld>
             <a:endParaRPr lang="en-SG"/>
           </a:p>
@@ -2942,7 +2943,7 @@
           <a:p>
             <a:fld id="{4CADD69B-74F8-4198-B093-991B2CFD1994}" type="datetimeFigureOut">
               <a:rPr lang="en-SG" smtClean="0"/>
-              <a:t>4/10/2021</a:t>
+              <a:t>5/10/2021</a:t>
             </a:fld>
             <a:endParaRPr lang="en-SG"/>
           </a:p>
@@ -4376,6 +4377,14 @@
                 <a:headEnd w="lg" len="lg"/>
                 <a:tailEnd type="triangle" w="lg" len="lg"/>
               </a:ln>
+              <a:effectLst>
+                <a:glow rad="228600">
+                  <a:schemeClr val="accent2">
+                    <a:satMod val="175000"/>
+                    <a:alpha val="40000"/>
+                  </a:schemeClr>
+                </a:glow>
+              </a:effectLst>
             </p:spPr>
             <p:style>
               <a:lnRef idx="1">
@@ -4418,6 +4427,14 @@
                 <a:headEnd w="lg" len="lg"/>
                 <a:tailEnd type="triangle" w="lg" len="lg"/>
               </a:ln>
+              <a:effectLst>
+                <a:glow rad="228600">
+                  <a:schemeClr val="accent2">
+                    <a:satMod val="175000"/>
+                    <a:alpha val="40000"/>
+                  </a:schemeClr>
+                </a:glow>
+              </a:effectLst>
             </p:spPr>
             <p:style>
               <a:lnRef idx="1">
@@ -5214,8 +5231,8 @@
             </p:sp>
           </mc:Fallback>
         </mc:AlternateContent>
-        <mc:AlternateContent xmlns:mc="http://schemas.openxmlformats.org/markup-compatibility/2006" xmlns:a14="http://schemas.microsoft.com/office/drawing/2010/main">
-          <mc:Choice Requires="a14">
+        <mc:AlternateContent xmlns:mc="http://schemas.openxmlformats.org/markup-compatibility/2006">
+          <mc:Choice xmlns:a14="http://schemas.microsoft.com/office/drawing/2010/main" Requires="a14">
             <p:sp>
               <p:nvSpPr>
                 <p:cNvPr id="35" name="TextBox 34">
@@ -5230,8 +5247,8 @@
               </p:nvSpPr>
               <p:spPr>
                 <a:xfrm>
-                  <a:off x="6850503" y="343014"/>
-                  <a:ext cx="5783006" cy="830997"/>
+                  <a:off x="6850502" y="343014"/>
+                  <a:ext cx="6237545" cy="830997"/>
                 </a:xfrm>
                 <a:prstGeom prst="rect">
                   <a:avLst/>
@@ -5327,7 +5344,7 @@
               </p:txBody>
             </p:sp>
           </mc:Choice>
-          <mc:Fallback xmlns="">
+          <mc:Fallback>
             <p:sp>
               <p:nvSpPr>
                 <p:cNvPr id="35" name="TextBox 34">
@@ -5344,8 +5361,8 @@
               </p:nvSpPr>
               <p:spPr>
                 <a:xfrm>
-                  <a:off x="6850503" y="343014"/>
-                  <a:ext cx="5783006" cy="830997"/>
+                  <a:off x="6850502" y="343014"/>
+                  <a:ext cx="6237545" cy="830997"/>
                 </a:xfrm>
                 <a:prstGeom prst="rect">
                   <a:avLst/>
@@ -5353,7 +5370,7 @@
                 <a:blipFill>
                   <a:blip r:embed="rId3"/>
                   <a:stretch>
-                    <a:fillRect l="-1686" t="-5882" b="-16176"/>
+                    <a:fillRect l="-1564" t="-5882" b="-16176"/>
                   </a:stretch>
                 </a:blipFill>
               </p:spPr>
@@ -7390,6 +7407,779 @@
 </file>
 
 <file path=ppt/slides/slide13.xml><?xml version="1.0" encoding="utf-8"?>
+<p:sld xmlns:a="http://schemas.openxmlformats.org/drawingml/2006/main" xmlns:r="http://schemas.openxmlformats.org/officeDocument/2006/relationships" xmlns:p="http://schemas.openxmlformats.org/presentationml/2006/main">
+  <p:cSld>
+    <p:spTree>
+      <p:nvGrpSpPr>
+        <p:cNvPr id="1" name=""/>
+        <p:cNvGrpSpPr/>
+        <p:nvPr/>
+      </p:nvGrpSpPr>
+      <p:grpSpPr>
+        <a:xfrm>
+          <a:off x="0" y="0"/>
+          <a:ext cx="0" cy="0"/>
+          <a:chOff x="0" y="0"/>
+          <a:chExt cx="0" cy="0"/>
+        </a:xfrm>
+      </p:grpSpPr>
+      <p:grpSp>
+        <p:nvGrpSpPr>
+          <p:cNvPr id="34" name="Group 33">
+            <a:extLst>
+              <a:ext uri="{FF2B5EF4-FFF2-40B4-BE49-F238E27FC236}">
+                <a16:creationId xmlns:a16="http://schemas.microsoft.com/office/drawing/2014/main" id="{5761216D-1854-4956-B001-93563323AF0C}"/>
+              </a:ext>
+            </a:extLst>
+          </p:cNvPr>
+          <p:cNvGrpSpPr/>
+          <p:nvPr/>
+        </p:nvGrpSpPr>
+        <p:grpSpPr>
+          <a:xfrm>
+            <a:off x="1302653" y="1046908"/>
+            <a:ext cx="1523999" cy="4127759"/>
+            <a:chOff x="880533" y="2333841"/>
+            <a:chExt cx="1523999" cy="4127759"/>
+          </a:xfrm>
+        </p:grpSpPr>
+        <p:sp>
+          <p:nvSpPr>
+            <p:cNvPr id="22" name="Rectangle 21">
+              <a:extLst>
+                <a:ext uri="{FF2B5EF4-FFF2-40B4-BE49-F238E27FC236}">
+                  <a16:creationId xmlns:a16="http://schemas.microsoft.com/office/drawing/2014/main" id="{A4ED9BB0-69FB-47BD-B2C8-E6675D0D6F5F}"/>
+                </a:ext>
+              </a:extLst>
+            </p:cNvPr>
+            <p:cNvSpPr/>
+            <p:nvPr/>
+          </p:nvSpPr>
+          <p:spPr>
+            <a:xfrm>
+              <a:off x="880533" y="2333841"/>
+              <a:ext cx="1523999" cy="2442039"/>
+            </a:xfrm>
+            <a:prstGeom prst="rect">
+              <a:avLst/>
+            </a:prstGeom>
+            <a:solidFill>
+              <a:schemeClr val="bg1">
+                <a:lumMod val="95000"/>
+              </a:schemeClr>
+            </a:solidFill>
+          </p:spPr>
+          <p:style>
+            <a:lnRef idx="2">
+              <a:schemeClr val="accent1">
+                <a:shade val="50000"/>
+              </a:schemeClr>
+            </a:lnRef>
+            <a:fillRef idx="1">
+              <a:schemeClr val="accent1"/>
+            </a:fillRef>
+            <a:effectRef idx="0">
+              <a:schemeClr val="accent1"/>
+            </a:effectRef>
+            <a:fontRef idx="minor">
+              <a:schemeClr val="lt1"/>
+            </a:fontRef>
+          </p:style>
+          <p:txBody>
+            <a:bodyPr rtlCol="0" anchor="ctr"/>
+            <a:lstStyle/>
+            <a:p>
+              <a:pPr algn="ctr"/>
+              <a:endParaRPr lang="en-SG"/>
+            </a:p>
+          </p:txBody>
+        </p:sp>
+        <p:sp>
+          <p:nvSpPr>
+            <p:cNvPr id="24" name="TextBox 23">
+              <a:extLst>
+                <a:ext uri="{FF2B5EF4-FFF2-40B4-BE49-F238E27FC236}">
+                  <a16:creationId xmlns:a16="http://schemas.microsoft.com/office/drawing/2014/main" id="{D4C97D36-0F92-449A-B897-A3B5DD9E6F43}"/>
+                </a:ext>
+              </a:extLst>
+            </p:cNvPr>
+            <p:cNvSpPr txBox="1"/>
+            <p:nvPr/>
+          </p:nvSpPr>
+          <p:spPr>
+            <a:xfrm>
+              <a:off x="1177991" y="2400700"/>
+              <a:ext cx="886662" cy="1200329"/>
+            </a:xfrm>
+            <a:prstGeom prst="rect">
+              <a:avLst/>
+            </a:prstGeom>
+            <a:noFill/>
+          </p:spPr>
+          <p:txBody>
+            <a:bodyPr wrap="square" rtlCol="0">
+              <a:spAutoFit/>
+            </a:bodyPr>
+            <a:lstStyle/>
+            <a:p>
+              <a:pPr algn="ctr"/>
+              <a:r>
+                <a:rPr lang="en-US" sz="7200" dirty="0"/>
+                <a:t>W</a:t>
+              </a:r>
+            </a:p>
+          </p:txBody>
+        </p:sp>
+        <p:sp>
+          <p:nvSpPr>
+            <p:cNvPr id="25" name="TextBox 24">
+              <a:extLst>
+                <a:ext uri="{FF2B5EF4-FFF2-40B4-BE49-F238E27FC236}">
+                  <a16:creationId xmlns:a16="http://schemas.microsoft.com/office/drawing/2014/main" id="{BAE99F47-824D-4D5C-9EB0-B18F64A0468B}"/>
+                </a:ext>
+              </a:extLst>
+            </p:cNvPr>
+            <p:cNvSpPr txBox="1"/>
+            <p:nvPr/>
+          </p:nvSpPr>
+          <p:spPr>
+            <a:xfrm>
+              <a:off x="1094929" y="5261271"/>
+              <a:ext cx="1022057" cy="1200329"/>
+            </a:xfrm>
+            <a:prstGeom prst="rect">
+              <a:avLst/>
+            </a:prstGeom>
+            <a:noFill/>
+          </p:spPr>
+          <p:txBody>
+            <a:bodyPr wrap="square" rtlCol="0">
+              <a:spAutoFit/>
+            </a:bodyPr>
+            <a:lstStyle/>
+            <a:p>
+              <a:pPr algn="ctr"/>
+              <a:r>
+                <a:rPr lang="en-US" sz="7200" dirty="0"/>
+                <a:t>S</a:t>
+              </a:r>
+              <a:endParaRPr lang="en-SG" sz="7200" dirty="0"/>
+            </a:p>
+          </p:txBody>
+        </p:sp>
+        <p:cxnSp>
+          <p:nvCxnSpPr>
+            <p:cNvPr id="26" name="Straight Arrow Connector 25">
+              <a:extLst>
+                <a:ext uri="{FF2B5EF4-FFF2-40B4-BE49-F238E27FC236}">
+                  <a16:creationId xmlns:a16="http://schemas.microsoft.com/office/drawing/2014/main" id="{DEF83D21-2911-48D6-9891-FE02A910939C}"/>
+                </a:ext>
+              </a:extLst>
+            </p:cNvPr>
+            <p:cNvCxnSpPr>
+              <a:cxnSpLocks/>
+            </p:cNvCxnSpPr>
+            <p:nvPr/>
+          </p:nvCxnSpPr>
+          <p:spPr>
+            <a:xfrm>
+              <a:off x="1616517" y="4775880"/>
+              <a:ext cx="0" cy="673042"/>
+            </a:xfrm>
+            <a:prstGeom prst="straightConnector1">
+              <a:avLst/>
+            </a:prstGeom>
+            <a:ln w="41275">
+              <a:headEnd w="lg" len="lg"/>
+              <a:tailEnd type="triangle" w="lg" len="lg"/>
+            </a:ln>
+          </p:spPr>
+          <p:style>
+            <a:lnRef idx="1">
+              <a:schemeClr val="dk1"/>
+            </a:lnRef>
+            <a:fillRef idx="0">
+              <a:schemeClr val="dk1"/>
+            </a:fillRef>
+            <a:effectRef idx="0">
+              <a:schemeClr val="dk1"/>
+            </a:effectRef>
+            <a:fontRef idx="minor">
+              <a:schemeClr val="tx1"/>
+            </a:fontRef>
+          </p:style>
+        </p:cxnSp>
+        <p:cxnSp>
+          <p:nvCxnSpPr>
+            <p:cNvPr id="38" name="Connector: Elbow 37">
+              <a:extLst>
+                <a:ext uri="{FF2B5EF4-FFF2-40B4-BE49-F238E27FC236}">
+                  <a16:creationId xmlns:a16="http://schemas.microsoft.com/office/drawing/2014/main" id="{D7680ACC-4029-4CA1-8533-9E1A9E5EB4CB}"/>
+                </a:ext>
+              </a:extLst>
+            </p:cNvPr>
+            <p:cNvCxnSpPr>
+              <a:cxnSpLocks/>
+              <a:stCxn id="24" idx="1"/>
+              <a:endCxn id="29" idx="1"/>
+            </p:cNvCxnSpPr>
+            <p:nvPr/>
+          </p:nvCxnSpPr>
+          <p:spPr>
+            <a:xfrm rot="10800000" flipV="1">
+              <a:off x="1175655" y="3000865"/>
+              <a:ext cx="2336" cy="1046834"/>
+            </a:xfrm>
+            <a:prstGeom prst="bentConnector3">
+              <a:avLst>
+                <a:gd name="adj1" fmla="val 26522089"/>
+              </a:avLst>
+            </a:prstGeom>
+            <a:ln w="41275">
+              <a:headEnd w="lg" len="lg"/>
+              <a:tailEnd type="triangle" w="lg" len="lg"/>
+            </a:ln>
+          </p:spPr>
+          <p:style>
+            <a:lnRef idx="1">
+              <a:schemeClr val="dk1"/>
+            </a:lnRef>
+            <a:fillRef idx="0">
+              <a:schemeClr val="dk1"/>
+            </a:fillRef>
+            <a:effectRef idx="0">
+              <a:schemeClr val="dk1"/>
+            </a:effectRef>
+            <a:fontRef idx="minor">
+              <a:schemeClr val="tx1"/>
+            </a:fontRef>
+          </p:style>
+        </p:cxnSp>
+        <p:cxnSp>
+          <p:nvCxnSpPr>
+            <p:cNvPr id="42" name="Connector: Elbow 41">
+              <a:extLst>
+                <a:ext uri="{FF2B5EF4-FFF2-40B4-BE49-F238E27FC236}">
+                  <a16:creationId xmlns:a16="http://schemas.microsoft.com/office/drawing/2014/main" id="{8709DA9D-45F3-4884-9D9D-268328EA9173}"/>
+                </a:ext>
+              </a:extLst>
+            </p:cNvPr>
+            <p:cNvCxnSpPr>
+              <a:cxnSpLocks/>
+              <a:stCxn id="29" idx="3"/>
+              <a:endCxn id="24" idx="3"/>
+            </p:cNvCxnSpPr>
+            <p:nvPr/>
+          </p:nvCxnSpPr>
+          <p:spPr>
+            <a:xfrm flipV="1">
+              <a:off x="2064653" y="3000865"/>
+              <a:ext cx="12700" cy="1046834"/>
+            </a:xfrm>
+            <a:prstGeom prst="bentConnector3">
+              <a:avLst>
+                <a:gd name="adj1" fmla="val 5340000"/>
+              </a:avLst>
+            </a:prstGeom>
+            <a:ln w="41275">
+              <a:headEnd w="lg" len="lg"/>
+              <a:tailEnd type="triangle" w="lg" len="lg"/>
+            </a:ln>
+          </p:spPr>
+          <p:style>
+            <a:lnRef idx="1">
+              <a:schemeClr val="dk1"/>
+            </a:lnRef>
+            <a:fillRef idx="0">
+              <a:schemeClr val="dk1"/>
+            </a:fillRef>
+            <a:effectRef idx="0">
+              <a:schemeClr val="dk1"/>
+            </a:effectRef>
+            <a:fontRef idx="minor">
+              <a:schemeClr val="tx1"/>
+            </a:fontRef>
+          </p:style>
+        </p:cxnSp>
+        <p:sp>
+          <p:nvSpPr>
+            <p:cNvPr id="29" name="TextBox 28">
+              <a:extLst>
+                <a:ext uri="{FF2B5EF4-FFF2-40B4-BE49-F238E27FC236}">
+                  <a16:creationId xmlns:a16="http://schemas.microsoft.com/office/drawing/2014/main" id="{F36DBF08-6BC5-40B9-BCD0-2A851CDBDB9C}"/>
+                </a:ext>
+              </a:extLst>
+            </p:cNvPr>
+            <p:cNvSpPr txBox="1"/>
+            <p:nvPr/>
+          </p:nvSpPr>
+          <p:spPr>
+            <a:xfrm>
+              <a:off x="1175655" y="3447534"/>
+              <a:ext cx="888998" cy="1200329"/>
+            </a:xfrm>
+            <a:prstGeom prst="rect">
+              <a:avLst/>
+            </a:prstGeom>
+            <a:noFill/>
+          </p:spPr>
+          <p:txBody>
+            <a:bodyPr wrap="square">
+              <a:spAutoFit/>
+            </a:bodyPr>
+            <a:lstStyle/>
+            <a:p>
+              <a:pPr algn="ctr"/>
+              <a:r>
+                <a:rPr lang="en-US" sz="7200" dirty="0"/>
+                <a:t>M</a:t>
+              </a:r>
+              <a:endParaRPr lang="en-SG" sz="7200" dirty="0"/>
+            </a:p>
+          </p:txBody>
+        </p:sp>
+      </p:grpSp>
+      <p:grpSp>
+        <p:nvGrpSpPr>
+          <p:cNvPr id="43" name="Group 42">
+            <a:extLst>
+              <a:ext uri="{FF2B5EF4-FFF2-40B4-BE49-F238E27FC236}">
+                <a16:creationId xmlns:a16="http://schemas.microsoft.com/office/drawing/2014/main" id="{D0035252-E4D4-4AB5-BD56-F012FC3EFC8F}"/>
+              </a:ext>
+            </a:extLst>
+          </p:cNvPr>
+          <p:cNvGrpSpPr/>
+          <p:nvPr/>
+        </p:nvGrpSpPr>
+        <p:grpSpPr>
+          <a:xfrm>
+            <a:off x="5138209" y="1984286"/>
+            <a:ext cx="5428505" cy="3324264"/>
+            <a:chOff x="5138209" y="1984286"/>
+            <a:chExt cx="5428505" cy="3324264"/>
+          </a:xfrm>
+        </p:grpSpPr>
+        <p:sp>
+          <p:nvSpPr>
+            <p:cNvPr id="4" name="Rectangle 3">
+              <a:extLst>
+                <a:ext uri="{FF2B5EF4-FFF2-40B4-BE49-F238E27FC236}">
+                  <a16:creationId xmlns:a16="http://schemas.microsoft.com/office/drawing/2014/main" id="{FD425330-A6B0-41E8-A405-7E26782E4017}"/>
+                </a:ext>
+              </a:extLst>
+            </p:cNvPr>
+            <p:cNvSpPr/>
+            <p:nvPr/>
+          </p:nvSpPr>
+          <p:spPr>
+            <a:xfrm>
+              <a:off x="6429832" y="1984286"/>
+              <a:ext cx="2540001" cy="1582058"/>
+            </a:xfrm>
+            <a:prstGeom prst="rect">
+              <a:avLst/>
+            </a:prstGeom>
+            <a:solidFill>
+              <a:schemeClr val="bg1">
+                <a:lumMod val="95000"/>
+              </a:schemeClr>
+            </a:solidFill>
+          </p:spPr>
+          <p:style>
+            <a:lnRef idx="2">
+              <a:schemeClr val="accent1">
+                <a:shade val="50000"/>
+              </a:schemeClr>
+            </a:lnRef>
+            <a:fillRef idx="1">
+              <a:schemeClr val="accent1"/>
+            </a:fillRef>
+            <a:effectRef idx="0">
+              <a:schemeClr val="accent1"/>
+            </a:effectRef>
+            <a:fontRef idx="minor">
+              <a:schemeClr val="lt1"/>
+            </a:fontRef>
+          </p:style>
+          <p:txBody>
+            <a:bodyPr rtlCol="0" anchor="ctr"/>
+            <a:lstStyle/>
+            <a:p>
+              <a:pPr algn="ctr"/>
+              <a:endParaRPr lang="en-SG"/>
+            </a:p>
+          </p:txBody>
+        </p:sp>
+        <p:sp>
+          <p:nvSpPr>
+            <p:cNvPr id="5" name="TextBox 4">
+              <a:extLst>
+                <a:ext uri="{FF2B5EF4-FFF2-40B4-BE49-F238E27FC236}">
+                  <a16:creationId xmlns:a16="http://schemas.microsoft.com/office/drawing/2014/main" id="{B9FFB41D-5A82-41F8-8302-8197BE19D0B5}"/>
+                </a:ext>
+              </a:extLst>
+            </p:cNvPr>
+            <p:cNvSpPr txBox="1"/>
+            <p:nvPr/>
+          </p:nvSpPr>
+          <p:spPr>
+            <a:xfrm>
+              <a:off x="6429832" y="2175151"/>
+              <a:ext cx="2540000" cy="1200329"/>
+            </a:xfrm>
+            <a:prstGeom prst="rect">
+              <a:avLst/>
+            </a:prstGeom>
+            <a:noFill/>
+          </p:spPr>
+          <p:txBody>
+            <a:bodyPr wrap="square" rtlCol="0">
+              <a:spAutoFit/>
+            </a:bodyPr>
+            <a:lstStyle/>
+            <a:p>
+              <a:pPr algn="ctr"/>
+              <a:r>
+                <a:rPr lang="en-US" sz="7200" dirty="0"/>
+                <a:t>S  M</a:t>
+              </a:r>
+              <a:endParaRPr lang="en-SG" sz="7200" dirty="0"/>
+            </a:p>
+          </p:txBody>
+        </p:sp>
+        <p:sp>
+          <p:nvSpPr>
+            <p:cNvPr id="7" name="TextBox 6">
+              <a:extLst>
+                <a:ext uri="{FF2B5EF4-FFF2-40B4-BE49-F238E27FC236}">
+                  <a16:creationId xmlns:a16="http://schemas.microsoft.com/office/drawing/2014/main" id="{A4C7051B-98AC-4491-83B3-00FFD295FD53}"/>
+                </a:ext>
+              </a:extLst>
+            </p:cNvPr>
+            <p:cNvSpPr txBox="1"/>
+            <p:nvPr/>
+          </p:nvSpPr>
+          <p:spPr>
+            <a:xfrm>
+              <a:off x="9731832" y="2175150"/>
+              <a:ext cx="834882" cy="1200329"/>
+            </a:xfrm>
+            <a:prstGeom prst="rect">
+              <a:avLst/>
+            </a:prstGeom>
+            <a:noFill/>
+          </p:spPr>
+          <p:txBody>
+            <a:bodyPr wrap="square" rtlCol="0">
+              <a:spAutoFit/>
+            </a:bodyPr>
+            <a:lstStyle/>
+            <a:p>
+              <a:pPr algn="ctr"/>
+              <a:r>
+                <a:rPr lang="en-US" sz="7200" dirty="0"/>
+                <a:t>G</a:t>
+              </a:r>
+              <a:endParaRPr lang="en-SG" sz="7200" dirty="0"/>
+            </a:p>
+          </p:txBody>
+        </p:sp>
+        <p:sp>
+          <p:nvSpPr>
+            <p:cNvPr id="8" name="TextBox 7">
+              <a:extLst>
+                <a:ext uri="{FF2B5EF4-FFF2-40B4-BE49-F238E27FC236}">
+                  <a16:creationId xmlns:a16="http://schemas.microsoft.com/office/drawing/2014/main" id="{D9986A9B-64C7-45F4-9FEB-0F6A76836E50}"/>
+                </a:ext>
+              </a:extLst>
+            </p:cNvPr>
+            <p:cNvSpPr txBox="1"/>
+            <p:nvPr/>
+          </p:nvSpPr>
+          <p:spPr>
+            <a:xfrm>
+              <a:off x="8237306" y="4108221"/>
+              <a:ext cx="958250" cy="1200329"/>
+            </a:xfrm>
+            <a:prstGeom prst="rect">
+              <a:avLst/>
+            </a:prstGeom>
+            <a:noFill/>
+          </p:spPr>
+          <p:txBody>
+            <a:bodyPr wrap="square" rtlCol="0">
+              <a:spAutoFit/>
+            </a:bodyPr>
+            <a:lstStyle/>
+            <a:p>
+              <a:pPr algn="ctr"/>
+              <a:r>
+                <a:rPr lang="en-US" sz="7200" dirty="0"/>
+                <a:t>D</a:t>
+              </a:r>
+              <a:endParaRPr lang="en-SG" sz="7200" dirty="0"/>
+            </a:p>
+          </p:txBody>
+        </p:sp>
+        <p:cxnSp>
+          <p:nvCxnSpPr>
+            <p:cNvPr id="9" name="Straight Arrow Connector 8">
+              <a:extLst>
+                <a:ext uri="{FF2B5EF4-FFF2-40B4-BE49-F238E27FC236}">
+                  <a16:creationId xmlns:a16="http://schemas.microsoft.com/office/drawing/2014/main" id="{F2D20715-A634-4EE5-866F-0ED9254F22C7}"/>
+                </a:ext>
+              </a:extLst>
+            </p:cNvPr>
+            <p:cNvCxnSpPr>
+              <a:cxnSpLocks/>
+              <a:stCxn id="5" idx="3"/>
+              <a:endCxn id="7" idx="1"/>
+            </p:cNvCxnSpPr>
+            <p:nvPr/>
+          </p:nvCxnSpPr>
+          <p:spPr>
+            <a:xfrm flipV="1">
+              <a:off x="8969832" y="2775315"/>
+              <a:ext cx="762000" cy="1"/>
+            </a:xfrm>
+            <a:prstGeom prst="straightConnector1">
+              <a:avLst/>
+            </a:prstGeom>
+            <a:ln w="41275">
+              <a:headEnd w="lg" len="lg"/>
+              <a:tailEnd type="triangle" w="lg" len="lg"/>
+            </a:ln>
+          </p:spPr>
+          <p:style>
+            <a:lnRef idx="1">
+              <a:schemeClr val="dk1"/>
+            </a:lnRef>
+            <a:fillRef idx="0">
+              <a:schemeClr val="dk1"/>
+            </a:fillRef>
+            <a:effectRef idx="0">
+              <a:schemeClr val="dk1"/>
+            </a:effectRef>
+            <a:fontRef idx="minor">
+              <a:schemeClr val="tx1"/>
+            </a:fontRef>
+          </p:style>
+        </p:cxnSp>
+        <p:cxnSp>
+          <p:nvCxnSpPr>
+            <p:cNvPr id="12" name="Straight Arrow Connector 11">
+              <a:extLst>
+                <a:ext uri="{FF2B5EF4-FFF2-40B4-BE49-F238E27FC236}">
+                  <a16:creationId xmlns:a16="http://schemas.microsoft.com/office/drawing/2014/main" id="{D390C613-183B-4014-8BA1-D1B787C8E40E}"/>
+                </a:ext>
+              </a:extLst>
+            </p:cNvPr>
+            <p:cNvCxnSpPr>
+              <a:cxnSpLocks/>
+            </p:cNvCxnSpPr>
+            <p:nvPr/>
+          </p:nvCxnSpPr>
+          <p:spPr>
+            <a:xfrm>
+              <a:off x="7101116" y="3255167"/>
+              <a:ext cx="0" cy="943430"/>
+            </a:xfrm>
+            <a:prstGeom prst="straightConnector1">
+              <a:avLst/>
+            </a:prstGeom>
+            <a:ln w="41275">
+              <a:headEnd w="lg" len="lg"/>
+              <a:tailEnd type="triangle" w="lg" len="lg"/>
+            </a:ln>
+          </p:spPr>
+          <p:style>
+            <a:lnRef idx="1">
+              <a:schemeClr val="dk1"/>
+            </a:lnRef>
+            <a:fillRef idx="0">
+              <a:schemeClr val="dk1"/>
+            </a:fillRef>
+            <a:effectRef idx="0">
+              <a:schemeClr val="dk1"/>
+            </a:effectRef>
+            <a:fontRef idx="minor">
+              <a:schemeClr val="tx1"/>
+            </a:fontRef>
+          </p:style>
+        </p:cxnSp>
+        <p:cxnSp>
+          <p:nvCxnSpPr>
+            <p:cNvPr id="40" name="Straight Arrow Connector 39">
+              <a:extLst>
+                <a:ext uri="{FF2B5EF4-FFF2-40B4-BE49-F238E27FC236}">
+                  <a16:creationId xmlns:a16="http://schemas.microsoft.com/office/drawing/2014/main" id="{CC8ABA20-114C-4478-8448-5755FF11B6D7}"/>
+                </a:ext>
+              </a:extLst>
+            </p:cNvPr>
+            <p:cNvCxnSpPr>
+              <a:cxnSpLocks/>
+            </p:cNvCxnSpPr>
+            <p:nvPr/>
+          </p:nvCxnSpPr>
+          <p:spPr>
+            <a:xfrm flipH="1">
+              <a:off x="5982614" y="2775314"/>
+              <a:ext cx="739769" cy="0"/>
+            </a:xfrm>
+            <a:prstGeom prst="straightConnector1">
+              <a:avLst/>
+            </a:prstGeom>
+            <a:ln w="41275">
+              <a:headEnd w="lg" len="lg"/>
+              <a:tailEnd type="triangle" w="lg" len="lg"/>
+            </a:ln>
+          </p:spPr>
+          <p:style>
+            <a:lnRef idx="1">
+              <a:schemeClr val="dk1"/>
+            </a:lnRef>
+            <a:fillRef idx="0">
+              <a:schemeClr val="dk1"/>
+            </a:fillRef>
+            <a:effectRef idx="0">
+              <a:schemeClr val="dk1"/>
+            </a:effectRef>
+            <a:fontRef idx="minor">
+              <a:schemeClr val="tx1"/>
+            </a:fontRef>
+          </p:style>
+        </p:cxnSp>
+        <p:sp>
+          <p:nvSpPr>
+            <p:cNvPr id="45" name="TextBox 44">
+              <a:extLst>
+                <a:ext uri="{FF2B5EF4-FFF2-40B4-BE49-F238E27FC236}">
+                  <a16:creationId xmlns:a16="http://schemas.microsoft.com/office/drawing/2014/main" id="{1AD98C1B-18C8-4195-A1BE-7E230A944C21}"/>
+                </a:ext>
+              </a:extLst>
+            </p:cNvPr>
+            <p:cNvSpPr txBox="1"/>
+            <p:nvPr/>
+          </p:nvSpPr>
+          <p:spPr>
+            <a:xfrm>
+              <a:off x="5138209" y="2175150"/>
+              <a:ext cx="958250" cy="1200329"/>
+            </a:xfrm>
+            <a:prstGeom prst="rect">
+              <a:avLst/>
+            </a:prstGeom>
+            <a:noFill/>
+          </p:spPr>
+          <p:txBody>
+            <a:bodyPr wrap="square" rtlCol="0">
+              <a:spAutoFit/>
+            </a:bodyPr>
+            <a:lstStyle/>
+            <a:p>
+              <a:pPr algn="ctr"/>
+              <a:r>
+                <a:rPr lang="en-US" sz="7200" dirty="0"/>
+                <a:t>N</a:t>
+              </a:r>
+              <a:endParaRPr lang="en-SG" sz="7200" dirty="0"/>
+            </a:p>
+          </p:txBody>
+        </p:sp>
+        <p:sp>
+          <p:nvSpPr>
+            <p:cNvPr id="46" name="TextBox 45">
+              <a:extLst>
+                <a:ext uri="{FF2B5EF4-FFF2-40B4-BE49-F238E27FC236}">
+                  <a16:creationId xmlns:a16="http://schemas.microsoft.com/office/drawing/2014/main" id="{B06E19F5-EC7C-446F-AD95-6B3EFEBA7E4F}"/>
+                </a:ext>
+              </a:extLst>
+            </p:cNvPr>
+            <p:cNvSpPr txBox="1"/>
+            <p:nvPr/>
+          </p:nvSpPr>
+          <p:spPr>
+            <a:xfrm>
+              <a:off x="6621991" y="4108221"/>
+              <a:ext cx="958250" cy="1200329"/>
+            </a:xfrm>
+            <a:prstGeom prst="rect">
+              <a:avLst/>
+            </a:prstGeom>
+            <a:noFill/>
+          </p:spPr>
+          <p:txBody>
+            <a:bodyPr wrap="square" rtlCol="0">
+              <a:spAutoFit/>
+            </a:bodyPr>
+            <a:lstStyle/>
+            <a:p>
+              <a:pPr algn="ctr"/>
+              <a:r>
+                <a:rPr lang="en-US" sz="7200" dirty="0"/>
+                <a:t>F</a:t>
+              </a:r>
+              <a:endParaRPr lang="en-SG" sz="7200" dirty="0"/>
+            </a:p>
+          </p:txBody>
+        </p:sp>
+        <p:cxnSp>
+          <p:nvCxnSpPr>
+            <p:cNvPr id="47" name="Straight Arrow Connector 46">
+              <a:extLst>
+                <a:ext uri="{FF2B5EF4-FFF2-40B4-BE49-F238E27FC236}">
+                  <a16:creationId xmlns:a16="http://schemas.microsoft.com/office/drawing/2014/main" id="{568F26CA-76BB-48D2-B868-CA7AA6082467}"/>
+                </a:ext>
+              </a:extLst>
+            </p:cNvPr>
+            <p:cNvCxnSpPr>
+              <a:cxnSpLocks/>
+            </p:cNvCxnSpPr>
+            <p:nvPr/>
+          </p:nvCxnSpPr>
+          <p:spPr>
+            <a:xfrm>
+              <a:off x="7441898" y="4708385"/>
+              <a:ext cx="933751" cy="0"/>
+            </a:xfrm>
+            <a:prstGeom prst="straightConnector1">
+              <a:avLst/>
+            </a:prstGeom>
+            <a:ln w="41275">
+              <a:headEnd w="lg" len="lg"/>
+              <a:tailEnd type="triangle" w="lg" len="lg"/>
+            </a:ln>
+          </p:spPr>
+          <p:style>
+            <a:lnRef idx="1">
+              <a:schemeClr val="dk1"/>
+            </a:lnRef>
+            <a:fillRef idx="0">
+              <a:schemeClr val="dk1"/>
+            </a:fillRef>
+            <a:effectRef idx="0">
+              <a:schemeClr val="dk1"/>
+            </a:effectRef>
+            <a:fontRef idx="minor">
+              <a:schemeClr val="tx1"/>
+            </a:fontRef>
+          </p:style>
+        </p:cxnSp>
+      </p:grpSp>
+    </p:spTree>
+    <p:extLst>
+      <p:ext uri="{BB962C8B-B14F-4D97-AF65-F5344CB8AC3E}">
+        <p14:creationId xmlns:p14="http://schemas.microsoft.com/office/powerpoint/2010/main" val="1283646221"/>
+      </p:ext>
+    </p:extLst>
+  </p:cSld>
+  <p:clrMapOvr>
+    <a:masterClrMapping/>
+  </p:clrMapOvr>
+</p:sld>
+</file>
+
+<file path=ppt/slides/slide14.xml><?xml version="1.0" encoding="utf-8"?>
 <p:sld xmlns:a="http://schemas.openxmlformats.org/drawingml/2006/main" xmlns:r="http://schemas.openxmlformats.org/officeDocument/2006/relationships" xmlns:p="http://schemas.openxmlformats.org/presentationml/2006/main">
   <p:cSld>
     <p:spTree>

--- a/src/t5/images/t5.pptx
+++ b/src/t5/images/t5.pptx
@@ -274,7 +274,7 @@
           <a:p>
             <a:fld id="{4CADD69B-74F8-4198-B093-991B2CFD1994}" type="datetimeFigureOut">
               <a:rPr lang="en-SG" smtClean="0"/>
-              <a:t>5/10/2021</a:t>
+              <a:t>6/10/2021</a:t>
             </a:fld>
             <a:endParaRPr lang="en-SG"/>
           </a:p>
@@ -474,7 +474,7 @@
           <a:p>
             <a:fld id="{4CADD69B-74F8-4198-B093-991B2CFD1994}" type="datetimeFigureOut">
               <a:rPr lang="en-SG" smtClean="0"/>
-              <a:t>5/10/2021</a:t>
+              <a:t>6/10/2021</a:t>
             </a:fld>
             <a:endParaRPr lang="en-SG"/>
           </a:p>
@@ -684,7 +684,7 @@
           <a:p>
             <a:fld id="{4CADD69B-74F8-4198-B093-991B2CFD1994}" type="datetimeFigureOut">
               <a:rPr lang="en-SG" smtClean="0"/>
-              <a:t>5/10/2021</a:t>
+              <a:t>6/10/2021</a:t>
             </a:fld>
             <a:endParaRPr lang="en-SG"/>
           </a:p>
@@ -884,7 +884,7 @@
           <a:p>
             <a:fld id="{4CADD69B-74F8-4198-B093-991B2CFD1994}" type="datetimeFigureOut">
               <a:rPr lang="en-SG" smtClean="0"/>
-              <a:t>5/10/2021</a:t>
+              <a:t>6/10/2021</a:t>
             </a:fld>
             <a:endParaRPr lang="en-SG"/>
           </a:p>
@@ -1160,7 +1160,7 @@
           <a:p>
             <a:fld id="{4CADD69B-74F8-4198-B093-991B2CFD1994}" type="datetimeFigureOut">
               <a:rPr lang="en-SG" smtClean="0"/>
-              <a:t>5/10/2021</a:t>
+              <a:t>6/10/2021</a:t>
             </a:fld>
             <a:endParaRPr lang="en-SG"/>
           </a:p>
@@ -1428,7 +1428,7 @@
           <a:p>
             <a:fld id="{4CADD69B-74F8-4198-B093-991B2CFD1994}" type="datetimeFigureOut">
               <a:rPr lang="en-SG" smtClean="0"/>
-              <a:t>5/10/2021</a:t>
+              <a:t>6/10/2021</a:t>
             </a:fld>
             <a:endParaRPr lang="en-SG"/>
           </a:p>
@@ -1843,7 +1843,7 @@
           <a:p>
             <a:fld id="{4CADD69B-74F8-4198-B093-991B2CFD1994}" type="datetimeFigureOut">
               <a:rPr lang="en-SG" smtClean="0"/>
-              <a:t>5/10/2021</a:t>
+              <a:t>6/10/2021</a:t>
             </a:fld>
             <a:endParaRPr lang="en-SG"/>
           </a:p>
@@ -1985,7 +1985,7 @@
           <a:p>
             <a:fld id="{4CADD69B-74F8-4198-B093-991B2CFD1994}" type="datetimeFigureOut">
               <a:rPr lang="en-SG" smtClean="0"/>
-              <a:t>5/10/2021</a:t>
+              <a:t>6/10/2021</a:t>
             </a:fld>
             <a:endParaRPr lang="en-SG"/>
           </a:p>
@@ -2098,7 +2098,7 @@
           <a:p>
             <a:fld id="{4CADD69B-74F8-4198-B093-991B2CFD1994}" type="datetimeFigureOut">
               <a:rPr lang="en-SG" smtClean="0"/>
-              <a:t>5/10/2021</a:t>
+              <a:t>6/10/2021</a:t>
             </a:fld>
             <a:endParaRPr lang="en-SG"/>
           </a:p>
@@ -2411,7 +2411,7 @@
           <a:p>
             <a:fld id="{4CADD69B-74F8-4198-B093-991B2CFD1994}" type="datetimeFigureOut">
               <a:rPr lang="en-SG" smtClean="0"/>
-              <a:t>5/10/2021</a:t>
+              <a:t>6/10/2021</a:t>
             </a:fld>
             <a:endParaRPr lang="en-SG"/>
           </a:p>
@@ -2700,7 +2700,7 @@
           <a:p>
             <a:fld id="{4CADD69B-74F8-4198-B093-991B2CFD1994}" type="datetimeFigureOut">
               <a:rPr lang="en-SG" smtClean="0"/>
-              <a:t>5/10/2021</a:t>
+              <a:t>6/10/2021</a:t>
             </a:fld>
             <a:endParaRPr lang="en-SG"/>
           </a:p>
@@ -2943,7 +2943,7 @@
           <a:p>
             <a:fld id="{4CADD69B-74F8-4198-B093-991B2CFD1994}" type="datetimeFigureOut">
               <a:rPr lang="en-SG" smtClean="0"/>
-              <a:t>5/10/2021</a:t>
+              <a:t>6/10/2021</a:t>
             </a:fld>
             <a:endParaRPr lang="en-SG"/>
           </a:p>
@@ -5231,8 +5231,8 @@
             </p:sp>
           </mc:Fallback>
         </mc:AlternateContent>
-        <mc:AlternateContent xmlns:mc="http://schemas.openxmlformats.org/markup-compatibility/2006">
-          <mc:Choice xmlns:a14="http://schemas.microsoft.com/office/drawing/2010/main" Requires="a14">
+        <mc:AlternateContent xmlns:mc="http://schemas.openxmlformats.org/markup-compatibility/2006" xmlns:a14="http://schemas.microsoft.com/office/drawing/2010/main">
+          <mc:Choice Requires="a14">
             <p:sp>
               <p:nvSpPr>
                 <p:cNvPr id="35" name="TextBox 34">
@@ -5344,7 +5344,7 @@
               </p:txBody>
             </p:sp>
           </mc:Choice>
-          <mc:Fallback>
+          <mc:Fallback xmlns="">
             <p:sp>
               <p:nvSpPr>
                 <p:cNvPr id="35" name="TextBox 34">
@@ -7425,322 +7425,6 @@
       </p:grpSpPr>
       <p:grpSp>
         <p:nvGrpSpPr>
-          <p:cNvPr id="34" name="Group 33">
-            <a:extLst>
-              <a:ext uri="{FF2B5EF4-FFF2-40B4-BE49-F238E27FC236}">
-                <a16:creationId xmlns:a16="http://schemas.microsoft.com/office/drawing/2014/main" id="{5761216D-1854-4956-B001-93563323AF0C}"/>
-              </a:ext>
-            </a:extLst>
-          </p:cNvPr>
-          <p:cNvGrpSpPr/>
-          <p:nvPr/>
-        </p:nvGrpSpPr>
-        <p:grpSpPr>
-          <a:xfrm>
-            <a:off x="1302653" y="1046908"/>
-            <a:ext cx="1523999" cy="4127759"/>
-            <a:chOff x="880533" y="2333841"/>
-            <a:chExt cx="1523999" cy="4127759"/>
-          </a:xfrm>
-        </p:grpSpPr>
-        <p:sp>
-          <p:nvSpPr>
-            <p:cNvPr id="22" name="Rectangle 21">
-              <a:extLst>
-                <a:ext uri="{FF2B5EF4-FFF2-40B4-BE49-F238E27FC236}">
-                  <a16:creationId xmlns:a16="http://schemas.microsoft.com/office/drawing/2014/main" id="{A4ED9BB0-69FB-47BD-B2C8-E6675D0D6F5F}"/>
-                </a:ext>
-              </a:extLst>
-            </p:cNvPr>
-            <p:cNvSpPr/>
-            <p:nvPr/>
-          </p:nvSpPr>
-          <p:spPr>
-            <a:xfrm>
-              <a:off x="880533" y="2333841"/>
-              <a:ext cx="1523999" cy="2442039"/>
-            </a:xfrm>
-            <a:prstGeom prst="rect">
-              <a:avLst/>
-            </a:prstGeom>
-            <a:solidFill>
-              <a:schemeClr val="bg1">
-                <a:lumMod val="95000"/>
-              </a:schemeClr>
-            </a:solidFill>
-          </p:spPr>
-          <p:style>
-            <a:lnRef idx="2">
-              <a:schemeClr val="accent1">
-                <a:shade val="50000"/>
-              </a:schemeClr>
-            </a:lnRef>
-            <a:fillRef idx="1">
-              <a:schemeClr val="accent1"/>
-            </a:fillRef>
-            <a:effectRef idx="0">
-              <a:schemeClr val="accent1"/>
-            </a:effectRef>
-            <a:fontRef idx="minor">
-              <a:schemeClr val="lt1"/>
-            </a:fontRef>
-          </p:style>
-          <p:txBody>
-            <a:bodyPr rtlCol="0" anchor="ctr"/>
-            <a:lstStyle/>
-            <a:p>
-              <a:pPr algn="ctr"/>
-              <a:endParaRPr lang="en-SG"/>
-            </a:p>
-          </p:txBody>
-        </p:sp>
-        <p:sp>
-          <p:nvSpPr>
-            <p:cNvPr id="24" name="TextBox 23">
-              <a:extLst>
-                <a:ext uri="{FF2B5EF4-FFF2-40B4-BE49-F238E27FC236}">
-                  <a16:creationId xmlns:a16="http://schemas.microsoft.com/office/drawing/2014/main" id="{D4C97D36-0F92-449A-B897-A3B5DD9E6F43}"/>
-                </a:ext>
-              </a:extLst>
-            </p:cNvPr>
-            <p:cNvSpPr txBox="1"/>
-            <p:nvPr/>
-          </p:nvSpPr>
-          <p:spPr>
-            <a:xfrm>
-              <a:off x="1177991" y="2400700"/>
-              <a:ext cx="886662" cy="1200329"/>
-            </a:xfrm>
-            <a:prstGeom prst="rect">
-              <a:avLst/>
-            </a:prstGeom>
-            <a:noFill/>
-          </p:spPr>
-          <p:txBody>
-            <a:bodyPr wrap="square" rtlCol="0">
-              <a:spAutoFit/>
-            </a:bodyPr>
-            <a:lstStyle/>
-            <a:p>
-              <a:pPr algn="ctr"/>
-              <a:r>
-                <a:rPr lang="en-US" sz="7200" dirty="0"/>
-                <a:t>W</a:t>
-              </a:r>
-            </a:p>
-          </p:txBody>
-        </p:sp>
-        <p:sp>
-          <p:nvSpPr>
-            <p:cNvPr id="25" name="TextBox 24">
-              <a:extLst>
-                <a:ext uri="{FF2B5EF4-FFF2-40B4-BE49-F238E27FC236}">
-                  <a16:creationId xmlns:a16="http://schemas.microsoft.com/office/drawing/2014/main" id="{BAE99F47-824D-4D5C-9EB0-B18F64A0468B}"/>
-                </a:ext>
-              </a:extLst>
-            </p:cNvPr>
-            <p:cNvSpPr txBox="1"/>
-            <p:nvPr/>
-          </p:nvSpPr>
-          <p:spPr>
-            <a:xfrm>
-              <a:off x="1094929" y="5261271"/>
-              <a:ext cx="1022057" cy="1200329"/>
-            </a:xfrm>
-            <a:prstGeom prst="rect">
-              <a:avLst/>
-            </a:prstGeom>
-            <a:noFill/>
-          </p:spPr>
-          <p:txBody>
-            <a:bodyPr wrap="square" rtlCol="0">
-              <a:spAutoFit/>
-            </a:bodyPr>
-            <a:lstStyle/>
-            <a:p>
-              <a:pPr algn="ctr"/>
-              <a:r>
-                <a:rPr lang="en-US" sz="7200" dirty="0"/>
-                <a:t>S</a:t>
-              </a:r>
-              <a:endParaRPr lang="en-SG" sz="7200" dirty="0"/>
-            </a:p>
-          </p:txBody>
-        </p:sp>
-        <p:cxnSp>
-          <p:nvCxnSpPr>
-            <p:cNvPr id="26" name="Straight Arrow Connector 25">
-              <a:extLst>
-                <a:ext uri="{FF2B5EF4-FFF2-40B4-BE49-F238E27FC236}">
-                  <a16:creationId xmlns:a16="http://schemas.microsoft.com/office/drawing/2014/main" id="{DEF83D21-2911-48D6-9891-FE02A910939C}"/>
-                </a:ext>
-              </a:extLst>
-            </p:cNvPr>
-            <p:cNvCxnSpPr>
-              <a:cxnSpLocks/>
-            </p:cNvCxnSpPr>
-            <p:nvPr/>
-          </p:nvCxnSpPr>
-          <p:spPr>
-            <a:xfrm>
-              <a:off x="1616517" y="4775880"/>
-              <a:ext cx="0" cy="673042"/>
-            </a:xfrm>
-            <a:prstGeom prst="straightConnector1">
-              <a:avLst/>
-            </a:prstGeom>
-            <a:ln w="41275">
-              <a:headEnd w="lg" len="lg"/>
-              <a:tailEnd type="triangle" w="lg" len="lg"/>
-            </a:ln>
-          </p:spPr>
-          <p:style>
-            <a:lnRef idx="1">
-              <a:schemeClr val="dk1"/>
-            </a:lnRef>
-            <a:fillRef idx="0">
-              <a:schemeClr val="dk1"/>
-            </a:fillRef>
-            <a:effectRef idx="0">
-              <a:schemeClr val="dk1"/>
-            </a:effectRef>
-            <a:fontRef idx="minor">
-              <a:schemeClr val="tx1"/>
-            </a:fontRef>
-          </p:style>
-        </p:cxnSp>
-        <p:cxnSp>
-          <p:nvCxnSpPr>
-            <p:cNvPr id="38" name="Connector: Elbow 37">
-              <a:extLst>
-                <a:ext uri="{FF2B5EF4-FFF2-40B4-BE49-F238E27FC236}">
-                  <a16:creationId xmlns:a16="http://schemas.microsoft.com/office/drawing/2014/main" id="{D7680ACC-4029-4CA1-8533-9E1A9E5EB4CB}"/>
-                </a:ext>
-              </a:extLst>
-            </p:cNvPr>
-            <p:cNvCxnSpPr>
-              <a:cxnSpLocks/>
-              <a:stCxn id="24" idx="1"/>
-              <a:endCxn id="29" idx="1"/>
-            </p:cNvCxnSpPr>
-            <p:nvPr/>
-          </p:nvCxnSpPr>
-          <p:spPr>
-            <a:xfrm rot="10800000" flipV="1">
-              <a:off x="1175655" y="3000865"/>
-              <a:ext cx="2336" cy="1046834"/>
-            </a:xfrm>
-            <a:prstGeom prst="bentConnector3">
-              <a:avLst>
-                <a:gd name="adj1" fmla="val 26522089"/>
-              </a:avLst>
-            </a:prstGeom>
-            <a:ln w="41275">
-              <a:headEnd w="lg" len="lg"/>
-              <a:tailEnd type="triangle" w="lg" len="lg"/>
-            </a:ln>
-          </p:spPr>
-          <p:style>
-            <a:lnRef idx="1">
-              <a:schemeClr val="dk1"/>
-            </a:lnRef>
-            <a:fillRef idx="0">
-              <a:schemeClr val="dk1"/>
-            </a:fillRef>
-            <a:effectRef idx="0">
-              <a:schemeClr val="dk1"/>
-            </a:effectRef>
-            <a:fontRef idx="minor">
-              <a:schemeClr val="tx1"/>
-            </a:fontRef>
-          </p:style>
-        </p:cxnSp>
-        <p:cxnSp>
-          <p:nvCxnSpPr>
-            <p:cNvPr id="42" name="Connector: Elbow 41">
-              <a:extLst>
-                <a:ext uri="{FF2B5EF4-FFF2-40B4-BE49-F238E27FC236}">
-                  <a16:creationId xmlns:a16="http://schemas.microsoft.com/office/drawing/2014/main" id="{8709DA9D-45F3-4884-9D9D-268328EA9173}"/>
-                </a:ext>
-              </a:extLst>
-            </p:cNvPr>
-            <p:cNvCxnSpPr>
-              <a:cxnSpLocks/>
-              <a:stCxn id="29" idx="3"/>
-              <a:endCxn id="24" idx="3"/>
-            </p:cNvCxnSpPr>
-            <p:nvPr/>
-          </p:nvCxnSpPr>
-          <p:spPr>
-            <a:xfrm flipV="1">
-              <a:off x="2064653" y="3000865"/>
-              <a:ext cx="12700" cy="1046834"/>
-            </a:xfrm>
-            <a:prstGeom prst="bentConnector3">
-              <a:avLst>
-                <a:gd name="adj1" fmla="val 5340000"/>
-              </a:avLst>
-            </a:prstGeom>
-            <a:ln w="41275">
-              <a:headEnd w="lg" len="lg"/>
-              <a:tailEnd type="triangle" w="lg" len="lg"/>
-            </a:ln>
-          </p:spPr>
-          <p:style>
-            <a:lnRef idx="1">
-              <a:schemeClr val="dk1"/>
-            </a:lnRef>
-            <a:fillRef idx="0">
-              <a:schemeClr val="dk1"/>
-            </a:fillRef>
-            <a:effectRef idx="0">
-              <a:schemeClr val="dk1"/>
-            </a:effectRef>
-            <a:fontRef idx="minor">
-              <a:schemeClr val="tx1"/>
-            </a:fontRef>
-          </p:style>
-        </p:cxnSp>
-        <p:sp>
-          <p:nvSpPr>
-            <p:cNvPr id="29" name="TextBox 28">
-              <a:extLst>
-                <a:ext uri="{FF2B5EF4-FFF2-40B4-BE49-F238E27FC236}">
-                  <a16:creationId xmlns:a16="http://schemas.microsoft.com/office/drawing/2014/main" id="{F36DBF08-6BC5-40B9-BCD0-2A851CDBDB9C}"/>
-                </a:ext>
-              </a:extLst>
-            </p:cNvPr>
-            <p:cNvSpPr txBox="1"/>
-            <p:nvPr/>
-          </p:nvSpPr>
-          <p:spPr>
-            <a:xfrm>
-              <a:off x="1175655" y="3447534"/>
-              <a:ext cx="888998" cy="1200329"/>
-            </a:xfrm>
-            <a:prstGeom prst="rect">
-              <a:avLst/>
-            </a:prstGeom>
-            <a:noFill/>
-          </p:spPr>
-          <p:txBody>
-            <a:bodyPr wrap="square">
-              <a:spAutoFit/>
-            </a:bodyPr>
-            <a:lstStyle/>
-            <a:p>
-              <a:pPr algn="ctr"/>
-              <a:r>
-                <a:rPr lang="en-US" sz="7200" dirty="0"/>
-                <a:t>M</a:t>
-              </a:r>
-              <a:endParaRPr lang="en-SG" sz="7200" dirty="0"/>
-            </a:p>
-          </p:txBody>
-        </p:sp>
-      </p:grpSp>
-      <p:grpSp>
-        <p:nvGrpSpPr>
           <p:cNvPr id="43" name="Group 42">
             <a:extLst>
               <a:ext uri="{FF2B5EF4-FFF2-40B4-BE49-F238E27FC236}">
@@ -8165,6 +7849,380 @@
             </a:fontRef>
           </p:style>
         </p:cxnSp>
+      </p:grpSp>
+      <p:grpSp>
+        <p:nvGrpSpPr>
+          <p:cNvPr id="6" name="Group 5">
+            <a:extLst>
+              <a:ext uri="{FF2B5EF4-FFF2-40B4-BE49-F238E27FC236}">
+                <a16:creationId xmlns:a16="http://schemas.microsoft.com/office/drawing/2014/main" id="{F00150E3-4242-4AF3-B084-6099E0A7E611}"/>
+              </a:ext>
+            </a:extLst>
+          </p:cNvPr>
+          <p:cNvGrpSpPr/>
+          <p:nvPr/>
+        </p:nvGrpSpPr>
+        <p:grpSpPr>
+          <a:xfrm>
+            <a:off x="1348141" y="2175150"/>
+            <a:ext cx="3276785" cy="3229688"/>
+            <a:chOff x="1348141" y="2175150"/>
+            <a:chExt cx="3276785" cy="3229688"/>
+          </a:xfrm>
+        </p:grpSpPr>
+        <p:grpSp>
+          <p:nvGrpSpPr>
+            <p:cNvPr id="34" name="Group 33">
+              <a:extLst>
+                <a:ext uri="{FF2B5EF4-FFF2-40B4-BE49-F238E27FC236}">
+                  <a16:creationId xmlns:a16="http://schemas.microsoft.com/office/drawing/2014/main" id="{5761216D-1854-4956-B001-93563323AF0C}"/>
+                </a:ext>
+              </a:extLst>
+            </p:cNvPr>
+            <p:cNvGrpSpPr/>
+            <p:nvPr/>
+          </p:nvGrpSpPr>
+          <p:grpSpPr>
+            <a:xfrm>
+              <a:off x="1348141" y="2213241"/>
+              <a:ext cx="3276785" cy="3191597"/>
+              <a:chOff x="880533" y="1456266"/>
+              <a:chExt cx="3276785" cy="3191597"/>
+            </a:xfrm>
+          </p:grpSpPr>
+          <p:sp>
+            <p:nvSpPr>
+              <p:cNvPr id="22" name="Rectangle 21">
+                <a:extLst>
+                  <a:ext uri="{FF2B5EF4-FFF2-40B4-BE49-F238E27FC236}">
+                    <a16:creationId xmlns:a16="http://schemas.microsoft.com/office/drawing/2014/main" id="{A4ED9BB0-69FB-47BD-B2C8-E6675D0D6F5F}"/>
+                  </a:ext>
+                </a:extLst>
+              </p:cNvPr>
+              <p:cNvSpPr/>
+              <p:nvPr/>
+            </p:nvSpPr>
+            <p:spPr>
+              <a:xfrm>
+                <a:off x="880533" y="1456266"/>
+                <a:ext cx="1523999" cy="2144764"/>
+              </a:xfrm>
+              <a:prstGeom prst="rect">
+                <a:avLst/>
+              </a:prstGeom>
+              <a:solidFill>
+                <a:schemeClr val="bg1">
+                  <a:lumMod val="95000"/>
+                </a:schemeClr>
+              </a:solidFill>
+            </p:spPr>
+            <p:style>
+              <a:lnRef idx="2">
+                <a:schemeClr val="accent1">
+                  <a:shade val="50000"/>
+                </a:schemeClr>
+              </a:lnRef>
+              <a:fillRef idx="1">
+                <a:schemeClr val="accent1"/>
+              </a:fillRef>
+              <a:effectRef idx="0">
+                <a:schemeClr val="accent1"/>
+              </a:effectRef>
+              <a:fontRef idx="minor">
+                <a:schemeClr val="lt1"/>
+              </a:fontRef>
+            </p:style>
+            <p:txBody>
+              <a:bodyPr rtlCol="0" anchor="ctr"/>
+              <a:lstStyle/>
+              <a:p>
+                <a:pPr algn="ctr"/>
+                <a:endParaRPr lang="en-SG"/>
+              </a:p>
+            </p:txBody>
+          </p:sp>
+          <p:sp>
+            <p:nvSpPr>
+              <p:cNvPr id="24" name="TextBox 23">
+                <a:extLst>
+                  <a:ext uri="{FF2B5EF4-FFF2-40B4-BE49-F238E27FC236}">
+                    <a16:creationId xmlns:a16="http://schemas.microsoft.com/office/drawing/2014/main" id="{D4C97D36-0F92-449A-B897-A3B5DD9E6F43}"/>
+                  </a:ext>
+                </a:extLst>
+              </p:cNvPr>
+              <p:cNvSpPr txBox="1"/>
+              <p:nvPr/>
+            </p:nvSpPr>
+            <p:spPr>
+              <a:xfrm>
+                <a:off x="1177991" y="2400700"/>
+                <a:ext cx="886662" cy="1200329"/>
+              </a:xfrm>
+              <a:prstGeom prst="rect">
+                <a:avLst/>
+              </a:prstGeom>
+              <a:noFill/>
+            </p:spPr>
+            <p:txBody>
+              <a:bodyPr wrap="square" rtlCol="0">
+                <a:spAutoFit/>
+              </a:bodyPr>
+              <a:lstStyle/>
+              <a:p>
+                <a:pPr algn="ctr"/>
+                <a:r>
+                  <a:rPr lang="en-US" sz="7200" dirty="0"/>
+                  <a:t>W</a:t>
+                </a:r>
+              </a:p>
+            </p:txBody>
+          </p:sp>
+          <p:sp>
+            <p:nvSpPr>
+              <p:cNvPr id="25" name="TextBox 24">
+                <a:extLst>
+                  <a:ext uri="{FF2B5EF4-FFF2-40B4-BE49-F238E27FC236}">
+                    <a16:creationId xmlns:a16="http://schemas.microsoft.com/office/drawing/2014/main" id="{BAE99F47-824D-4D5C-9EB0-B18F64A0468B}"/>
+                  </a:ext>
+                </a:extLst>
+              </p:cNvPr>
+              <p:cNvSpPr txBox="1"/>
+              <p:nvPr/>
+            </p:nvSpPr>
+            <p:spPr>
+              <a:xfrm>
+                <a:off x="3135261" y="1928483"/>
+                <a:ext cx="1022057" cy="1200329"/>
+              </a:xfrm>
+              <a:prstGeom prst="rect">
+                <a:avLst/>
+              </a:prstGeom>
+              <a:noFill/>
+            </p:spPr>
+            <p:txBody>
+              <a:bodyPr wrap="square" rtlCol="0">
+                <a:spAutoFit/>
+              </a:bodyPr>
+              <a:lstStyle/>
+              <a:p>
+                <a:pPr algn="ctr"/>
+                <a:r>
+                  <a:rPr lang="en-US" sz="7200" dirty="0"/>
+                  <a:t>S</a:t>
+                </a:r>
+                <a:endParaRPr lang="en-SG" sz="7200" dirty="0"/>
+              </a:p>
+            </p:txBody>
+          </p:sp>
+          <p:cxnSp>
+            <p:nvCxnSpPr>
+              <p:cNvPr id="26" name="Straight Arrow Connector 25">
+                <a:extLst>
+                  <a:ext uri="{FF2B5EF4-FFF2-40B4-BE49-F238E27FC236}">
+                    <a16:creationId xmlns:a16="http://schemas.microsoft.com/office/drawing/2014/main" id="{DEF83D21-2911-48D6-9891-FE02A910939C}"/>
+                  </a:ext>
+                </a:extLst>
+              </p:cNvPr>
+              <p:cNvCxnSpPr>
+                <a:cxnSpLocks/>
+              </p:cNvCxnSpPr>
+              <p:nvPr/>
+            </p:nvCxnSpPr>
+            <p:spPr>
+              <a:xfrm>
+                <a:off x="2404532" y="2498192"/>
+                <a:ext cx="920158" cy="0"/>
+              </a:xfrm>
+              <a:prstGeom prst="straightConnector1">
+                <a:avLst/>
+              </a:prstGeom>
+              <a:ln w="41275">
+                <a:headEnd w="lg" len="lg"/>
+                <a:tailEnd type="triangle" w="lg" len="lg"/>
+              </a:ln>
+            </p:spPr>
+            <p:style>
+              <a:lnRef idx="1">
+                <a:schemeClr val="dk1"/>
+              </a:lnRef>
+              <a:fillRef idx="0">
+                <a:schemeClr val="dk1"/>
+              </a:fillRef>
+              <a:effectRef idx="0">
+                <a:schemeClr val="dk1"/>
+              </a:effectRef>
+              <a:fontRef idx="minor">
+                <a:schemeClr val="tx1"/>
+              </a:fontRef>
+            </p:style>
+          </p:cxnSp>
+          <p:cxnSp>
+            <p:nvCxnSpPr>
+              <p:cNvPr id="38" name="Connector: Elbow 37">
+                <a:extLst>
+                  <a:ext uri="{FF2B5EF4-FFF2-40B4-BE49-F238E27FC236}">
+                    <a16:creationId xmlns:a16="http://schemas.microsoft.com/office/drawing/2014/main" id="{D7680ACC-4029-4CA1-8533-9E1A9E5EB4CB}"/>
+                  </a:ext>
+                </a:extLst>
+              </p:cNvPr>
+              <p:cNvCxnSpPr>
+                <a:cxnSpLocks/>
+                <a:stCxn id="24" idx="1"/>
+                <a:endCxn id="29" idx="1"/>
+              </p:cNvCxnSpPr>
+              <p:nvPr/>
+            </p:nvCxnSpPr>
+            <p:spPr>
+              <a:xfrm rot="10800000" flipV="1">
+                <a:off x="1175655" y="3000865"/>
+                <a:ext cx="2336" cy="1046834"/>
+              </a:xfrm>
+              <a:prstGeom prst="bentConnector3">
+                <a:avLst>
+                  <a:gd name="adj1" fmla="val 26522089"/>
+                </a:avLst>
+              </a:prstGeom>
+              <a:ln w="41275">
+                <a:headEnd w="lg" len="lg"/>
+                <a:tailEnd type="triangle" w="lg" len="lg"/>
+              </a:ln>
+            </p:spPr>
+            <p:style>
+              <a:lnRef idx="1">
+                <a:schemeClr val="dk1"/>
+              </a:lnRef>
+              <a:fillRef idx="0">
+                <a:schemeClr val="dk1"/>
+              </a:fillRef>
+              <a:effectRef idx="0">
+                <a:schemeClr val="dk1"/>
+              </a:effectRef>
+              <a:fontRef idx="minor">
+                <a:schemeClr val="tx1"/>
+              </a:fontRef>
+            </p:style>
+          </p:cxnSp>
+          <p:cxnSp>
+            <p:nvCxnSpPr>
+              <p:cNvPr id="42" name="Connector: Elbow 41">
+                <a:extLst>
+                  <a:ext uri="{FF2B5EF4-FFF2-40B4-BE49-F238E27FC236}">
+                    <a16:creationId xmlns:a16="http://schemas.microsoft.com/office/drawing/2014/main" id="{8709DA9D-45F3-4884-9D9D-268328EA9173}"/>
+                  </a:ext>
+                </a:extLst>
+              </p:cNvPr>
+              <p:cNvCxnSpPr>
+                <a:cxnSpLocks/>
+                <a:stCxn id="29" idx="3"/>
+                <a:endCxn id="24" idx="3"/>
+              </p:cNvCxnSpPr>
+              <p:nvPr/>
+            </p:nvCxnSpPr>
+            <p:spPr>
+              <a:xfrm flipV="1">
+                <a:off x="2064653" y="3000865"/>
+                <a:ext cx="12700" cy="1046834"/>
+              </a:xfrm>
+              <a:prstGeom prst="bentConnector3">
+                <a:avLst>
+                  <a:gd name="adj1" fmla="val 5340000"/>
+                </a:avLst>
+              </a:prstGeom>
+              <a:ln w="41275">
+                <a:headEnd w="lg" len="lg"/>
+                <a:tailEnd type="triangle" w="lg" len="lg"/>
+              </a:ln>
+            </p:spPr>
+            <p:style>
+              <a:lnRef idx="1">
+                <a:schemeClr val="dk1"/>
+              </a:lnRef>
+              <a:fillRef idx="0">
+                <a:schemeClr val="dk1"/>
+              </a:fillRef>
+              <a:effectRef idx="0">
+                <a:schemeClr val="dk1"/>
+              </a:effectRef>
+              <a:fontRef idx="minor">
+                <a:schemeClr val="tx1"/>
+              </a:fontRef>
+            </p:style>
+          </p:cxnSp>
+          <p:sp>
+            <p:nvSpPr>
+              <p:cNvPr id="29" name="TextBox 28">
+                <a:extLst>
+                  <a:ext uri="{FF2B5EF4-FFF2-40B4-BE49-F238E27FC236}">
+                    <a16:creationId xmlns:a16="http://schemas.microsoft.com/office/drawing/2014/main" id="{F36DBF08-6BC5-40B9-BCD0-2A851CDBDB9C}"/>
+                  </a:ext>
+                </a:extLst>
+              </p:cNvPr>
+              <p:cNvSpPr txBox="1"/>
+              <p:nvPr/>
+            </p:nvSpPr>
+            <p:spPr>
+              <a:xfrm>
+                <a:off x="1175655" y="3447534"/>
+                <a:ext cx="888998" cy="1200329"/>
+              </a:xfrm>
+              <a:prstGeom prst="rect">
+                <a:avLst/>
+              </a:prstGeom>
+              <a:noFill/>
+            </p:spPr>
+            <p:txBody>
+              <a:bodyPr wrap="square">
+                <a:spAutoFit/>
+              </a:bodyPr>
+              <a:lstStyle/>
+              <a:p>
+                <a:pPr algn="ctr"/>
+                <a:r>
+                  <a:rPr lang="en-US" sz="7200" dirty="0"/>
+                  <a:t>M</a:t>
+                </a:r>
+                <a:endParaRPr lang="en-SG" sz="7200" dirty="0"/>
+              </a:p>
+            </p:txBody>
+          </p:sp>
+        </p:grpSp>
+        <p:sp>
+          <p:nvSpPr>
+            <p:cNvPr id="21" name="TextBox 20">
+              <a:extLst>
+                <a:ext uri="{FF2B5EF4-FFF2-40B4-BE49-F238E27FC236}">
+                  <a16:creationId xmlns:a16="http://schemas.microsoft.com/office/drawing/2014/main" id="{91EEEEFE-1776-494F-BD51-5A45823AF3A1}"/>
+                </a:ext>
+              </a:extLst>
+            </p:cNvPr>
+            <p:cNvSpPr txBox="1"/>
+            <p:nvPr/>
+          </p:nvSpPr>
+          <p:spPr>
+            <a:xfrm>
+              <a:off x="1576733" y="2175150"/>
+              <a:ext cx="1022057" cy="1200329"/>
+            </a:xfrm>
+            <a:prstGeom prst="rect">
+              <a:avLst/>
+            </a:prstGeom>
+            <a:noFill/>
+          </p:spPr>
+          <p:txBody>
+            <a:bodyPr wrap="square" rtlCol="0">
+              <a:spAutoFit/>
+            </a:bodyPr>
+            <a:lstStyle/>
+            <a:p>
+              <a:pPr algn="ctr"/>
+              <a:r>
+                <a:rPr lang="en-US" sz="7200" dirty="0"/>
+                <a:t>P</a:t>
+              </a:r>
+              <a:endParaRPr lang="en-SG" sz="7200" dirty="0"/>
+            </a:p>
+          </p:txBody>
+        </p:sp>
       </p:grpSp>
     </p:spTree>
     <p:extLst>
